--- a/MTL/proposal_Raphael.pptx
+++ b/MTL/proposal_Raphael.pptx
@@ -4824,7 +4824,7 @@
         </p:blipFill>
         <p:spPr>
           <a:xfrm>
-            <a:off x="842645" y="4373245"/>
+            <a:off x="789305" y="4373245"/>
             <a:ext cx="1398270" cy="1398270"/>
           </a:xfrm>
           <a:prstGeom prst="rect">
@@ -5924,7 +5924,7 @@
           <a:p>
             <a:r>
               <a:rPr lang="en-US">
-                <a:hlinkClick r:id="rId3" tooltip="" action="ppaction://hlinkfile"/>
+                <a:hlinkClick r:id="rId3" action="ppaction://hlinkfile"/>
               </a:rPr>
               <a:t>https://www.kaggle.com/datasets/koryakinp/fingers</a:t>
             </a:r>
@@ -9918,7 +9918,7 @@
             </a:r>
             <a:r>
               <a:rPr lang="en-US" sz="900">
-                <a:hlinkClick r:id="rId6" tooltip=""/>
+                <a:hlinkClick r:id="rId6"/>
               </a:rPr>
               <a:t>http://arxiv.org/abs/1506.02117</a:t>
             </a:r>
@@ -9935,12 +9935,12 @@
             </a:r>
             <a:r>
               <a:rPr lang="en-US" sz="900">
-                <a:hlinkClick r:id="rId7" tooltip=""/>
+                <a:hlinkClick r:id="rId7"/>
               </a:rPr>
               <a:t>http://arxiv.org/abs/1705.08142</a:t>
             </a:r>
             <a:endParaRPr lang="en-US" sz="900">
-              <a:hlinkClick r:id="rId7" tooltip=""/>
+              <a:hlinkClick r:id="rId7"/>
             </a:endParaRPr>
           </a:p>
         </p:txBody>
